--- a/sd/qa/unit/data/pptx/connectors.pptx
+++ b/sd/qa/unit/data/pptx/connectors.pptx
@@ -764,7 +764,7 @@
         </p:nvSpPr>
         <p:spPr>
           <a:xfrm>
-            <a:off x="4313380" y="3203065"/>
+            <a:off x="2555742" y="1836736"/>
             <a:ext cx="720000" cy="720000"/>
           </a:xfrm>
           <a:prstGeom prst="rect">
@@ -810,7 +810,7 @@
         </p:nvCxnSpPr>
         <p:spPr>
           <a:xfrm rot="16200000" flipV="1">
-            <a:off x="3466425" y="1996109"/>
+            <a:off x="1708787" y="629780"/>
             <a:ext cx="840410" cy="1573501"/>
           </a:xfrm>
           <a:prstGeom prst="bentConnector2">
@@ -852,7 +852,7 @@
         </p:nvCxnSpPr>
         <p:spPr>
           <a:xfrm rot="10800000" flipV="1">
-            <a:off x="4673381" y="2362653"/>
+            <a:off x="2915743" y="996324"/>
             <a:ext cx="1422619" cy="840411"/>
           </a:xfrm>
           <a:prstGeom prst="bentConnector2">
@@ -894,7 +894,7 @@
         </p:nvCxnSpPr>
         <p:spPr>
           <a:xfrm rot="16200000" flipH="1">
-            <a:off x="3140421" y="2390105"/>
+            <a:off x="1382783" y="1023776"/>
             <a:ext cx="1200413" cy="1145505"/>
           </a:xfrm>
           <a:prstGeom prst="bentConnector2">
@@ -936,7 +936,7 @@
         </p:nvCxnSpPr>
         <p:spPr>
           <a:xfrm flipV="1">
-            <a:off x="5033380" y="2362650"/>
+            <a:off x="3275742" y="996321"/>
             <a:ext cx="1062620" cy="1200415"/>
           </a:xfrm>
           <a:prstGeom prst="bentConnector2">
@@ -977,7 +977,7 @@
         </p:nvCxnSpPr>
         <p:spPr>
           <a:xfrm rot="16200000" flipV="1">
-            <a:off x="8475901" y="3218036"/>
+            <a:off x="8272701" y="1946860"/>
             <a:ext cx="890081" cy="976871"/>
           </a:xfrm>
           <a:prstGeom prst="bentConnector2">
@@ -1018,7 +1018,7 @@
         </p:nvCxnSpPr>
         <p:spPr>
           <a:xfrm rot="10800000">
-            <a:off x="8432180" y="3334388"/>
+            <a:off x="8228980" y="2063212"/>
             <a:ext cx="977197" cy="817124"/>
           </a:xfrm>
           <a:prstGeom prst="bentConnector2">
@@ -1059,7 +1059,7 @@
         </p:nvCxnSpPr>
         <p:spPr>
           <a:xfrm flipV="1">
-            <a:off x="8420943" y="1952788"/>
+            <a:off x="8217743" y="681612"/>
             <a:ext cx="982233" cy="1155123"/>
           </a:xfrm>
           <a:prstGeom prst="bentConnector2">
@@ -1100,8 +1100,432 @@
         </p:nvCxnSpPr>
         <p:spPr>
           <a:xfrm rot="5400000" flipH="1" flipV="1">
-            <a:off x="8294124" y="2125777"/>
+            <a:off x="8090924" y="854601"/>
             <a:ext cx="1108953" cy="855315"/>
+          </a:xfrm>
+          <a:prstGeom prst="bentConnector2">
+            <a:avLst/>
+          </a:prstGeom>
+          <a:ln>
+            <a:tailEnd type="triangle"/>
+          </a:ln>
+        </p:spPr>
+        <p:style>
+          <a:lnRef idx="1">
+            <a:schemeClr val="accent1"/>
+          </a:lnRef>
+          <a:fillRef idx="0">
+            <a:schemeClr val="accent1"/>
+          </a:fillRef>
+          <a:effectRef idx="0">
+            <a:schemeClr val="accent1"/>
+          </a:effectRef>
+          <a:fontRef idx="minor">
+            <a:schemeClr val="tx1"/>
+          </a:fontRef>
+        </p:style>
+      </p:cxnSp>
+      <p:sp>
+        <p:nvSpPr>
+          <p:cNvPr id="3" name="Isosceles Triangle 2">
+            <a:extLst>
+              <a:ext uri="{FF2B5EF4-FFF2-40B4-BE49-F238E27FC236}">
+                <a16:creationId xmlns:a16="http://schemas.microsoft.com/office/drawing/2014/main" id="{CCBA9FDB-68D2-C646-5E9B-877E261D8FBA}"/>
+              </a:ext>
+            </a:extLst>
+          </p:cNvPr>
+          <p:cNvSpPr/>
+          <p:nvPr/>
+        </p:nvSpPr>
+        <p:spPr>
+          <a:xfrm>
+            <a:off x="2426215" y="4661266"/>
+            <a:ext cx="979054" cy="960582"/>
+          </a:xfrm>
+          <a:prstGeom prst="triangle">
+            <a:avLst/>
+          </a:prstGeom>
+        </p:spPr>
+        <p:style>
+          <a:lnRef idx="2">
+            <a:schemeClr val="dk1"/>
+          </a:lnRef>
+          <a:fillRef idx="1">
+            <a:schemeClr val="lt1"/>
+          </a:fillRef>
+          <a:effectRef idx="0">
+            <a:schemeClr val="dk1"/>
+          </a:effectRef>
+          <a:fontRef idx="minor">
+            <a:schemeClr val="dk1"/>
+          </a:fontRef>
+        </p:style>
+        <p:txBody>
+          <a:bodyPr rtlCol="0" anchor="ctr"/>
+          <a:lstStyle/>
+          <a:p>
+            <a:pPr algn="ctr"/>
+            <a:endParaRPr lang="en-US"/>
+          </a:p>
+        </p:txBody>
+      </p:sp>
+      <p:cxnSp>
+        <p:nvCxnSpPr>
+          <p:cNvPr id="7" name="Connector: Elbow 6">
+            <a:extLst>
+              <a:ext uri="{FF2B5EF4-FFF2-40B4-BE49-F238E27FC236}">
+                <a16:creationId xmlns:a16="http://schemas.microsoft.com/office/drawing/2014/main" id="{7E8AB22D-E828-0D4D-B41C-265F5B2F3D24}"/>
+              </a:ext>
+            </a:extLst>
+          </p:cNvPr>
+          <p:cNvCxnSpPr>
+            <a:cxnSpLocks/>
+            <a:endCxn id="3" idx="5"/>
+          </p:cNvCxnSpPr>
+          <p:nvPr/>
+        </p:nvCxnSpPr>
+        <p:spPr>
+          <a:xfrm rot="5400000">
+            <a:off x="2740967" y="4040196"/>
+            <a:ext cx="1520901" cy="681821"/>
+          </a:xfrm>
+          <a:prstGeom prst="bentConnector2">
+            <a:avLst/>
+          </a:prstGeom>
+          <a:ln>
+            <a:tailEnd type="triangle"/>
+          </a:ln>
+        </p:spPr>
+        <p:style>
+          <a:lnRef idx="1">
+            <a:schemeClr val="accent1"/>
+          </a:lnRef>
+          <a:fillRef idx="0">
+            <a:schemeClr val="accent1"/>
+          </a:fillRef>
+          <a:effectRef idx="0">
+            <a:schemeClr val="accent1"/>
+          </a:effectRef>
+          <a:fontRef idx="minor">
+            <a:schemeClr val="tx1"/>
+          </a:fontRef>
+        </p:style>
+      </p:cxnSp>
+      <p:cxnSp>
+        <p:nvCxnSpPr>
+          <p:cNvPr id="10" name="Connector: Elbow 9">
+            <a:extLst>
+              <a:ext uri="{FF2B5EF4-FFF2-40B4-BE49-F238E27FC236}">
+                <a16:creationId xmlns:a16="http://schemas.microsoft.com/office/drawing/2014/main" id="{D99FF07C-8031-5182-C714-9D0DE5F16F7B}"/>
+              </a:ext>
+            </a:extLst>
+          </p:cNvPr>
+          <p:cNvCxnSpPr>
+            <a:cxnSpLocks/>
+            <a:stCxn id="3" idx="5"/>
+          </p:cNvCxnSpPr>
+          <p:nvPr/>
+        </p:nvCxnSpPr>
+        <p:spPr>
+          <a:xfrm>
+            <a:off x="3160506" y="5141557"/>
+            <a:ext cx="1177856" cy="1471679"/>
+          </a:xfrm>
+          <a:prstGeom prst="bentConnector2">
+            <a:avLst/>
+          </a:prstGeom>
+          <a:ln>
+            <a:tailEnd type="triangle"/>
+          </a:ln>
+        </p:spPr>
+        <p:style>
+          <a:lnRef idx="1">
+            <a:schemeClr val="accent1"/>
+          </a:lnRef>
+          <a:fillRef idx="0">
+            <a:schemeClr val="accent1"/>
+          </a:fillRef>
+          <a:effectRef idx="0">
+            <a:schemeClr val="accent1"/>
+          </a:effectRef>
+          <a:fontRef idx="minor">
+            <a:schemeClr val="tx1"/>
+          </a:fontRef>
+        </p:style>
+      </p:cxnSp>
+      <p:cxnSp>
+        <p:nvCxnSpPr>
+          <p:cNvPr id="17" name="Connector: Elbow 16">
+            <a:extLst>
+              <a:ext uri="{FF2B5EF4-FFF2-40B4-BE49-F238E27FC236}">
+                <a16:creationId xmlns:a16="http://schemas.microsoft.com/office/drawing/2014/main" id="{83880CA4-B238-B328-D6A5-594A68AEA128}"/>
+              </a:ext>
+            </a:extLst>
+          </p:cNvPr>
+          <p:cNvCxnSpPr>
+            <a:cxnSpLocks/>
+            <a:endCxn id="3" idx="1"/>
+          </p:cNvCxnSpPr>
+          <p:nvPr/>
+        </p:nvCxnSpPr>
+        <p:spPr>
+          <a:xfrm rot="16200000" flipH="1">
+            <a:off x="1198494" y="3669072"/>
+            <a:ext cx="1520902" cy="1424067"/>
+          </a:xfrm>
+          <a:prstGeom prst="bentConnector2">
+            <a:avLst/>
+          </a:prstGeom>
+          <a:ln>
+            <a:tailEnd type="triangle"/>
+          </a:ln>
+        </p:spPr>
+        <p:style>
+          <a:lnRef idx="1">
+            <a:schemeClr val="accent1"/>
+          </a:lnRef>
+          <a:fillRef idx="0">
+            <a:schemeClr val="accent1"/>
+          </a:fillRef>
+          <a:effectRef idx="0">
+            <a:schemeClr val="accent1"/>
+          </a:effectRef>
+          <a:fontRef idx="minor">
+            <a:schemeClr val="tx1"/>
+          </a:fontRef>
+        </p:style>
+      </p:cxnSp>
+      <p:cxnSp>
+        <p:nvCxnSpPr>
+          <p:cNvPr id="23" name="Connector: Elbow 22">
+            <a:extLst>
+              <a:ext uri="{FF2B5EF4-FFF2-40B4-BE49-F238E27FC236}">
+                <a16:creationId xmlns:a16="http://schemas.microsoft.com/office/drawing/2014/main" id="{7FC72DE7-599C-AA72-3CCB-ACEF754113A8}"/>
+              </a:ext>
+            </a:extLst>
+          </p:cNvPr>
+          <p:cNvCxnSpPr>
+            <a:cxnSpLocks/>
+            <a:stCxn id="3" idx="1"/>
+          </p:cNvCxnSpPr>
+          <p:nvPr/>
+        </p:nvCxnSpPr>
+        <p:spPr>
+          <a:xfrm rot="10800000" flipV="1">
+            <a:off x="1662545" y="5141557"/>
+            <a:ext cx="1008434" cy="1545570"/>
+          </a:xfrm>
+          <a:prstGeom prst="bentConnector2">
+            <a:avLst/>
+          </a:prstGeom>
+          <a:ln>
+            <a:tailEnd type="triangle"/>
+          </a:ln>
+        </p:spPr>
+        <p:style>
+          <a:lnRef idx="1">
+            <a:schemeClr val="accent1"/>
+          </a:lnRef>
+          <a:fillRef idx="0">
+            <a:schemeClr val="accent1"/>
+          </a:fillRef>
+          <a:effectRef idx="0">
+            <a:schemeClr val="accent1"/>
+          </a:effectRef>
+          <a:fontRef idx="minor">
+            <a:schemeClr val="tx1"/>
+          </a:fontRef>
+        </p:style>
+      </p:cxnSp>
+      <p:sp>
+        <p:nvSpPr>
+          <p:cNvPr id="28" name="Oval 27">
+            <a:extLst>
+              <a:ext uri="{FF2B5EF4-FFF2-40B4-BE49-F238E27FC236}">
+                <a16:creationId xmlns:a16="http://schemas.microsoft.com/office/drawing/2014/main" id="{838FACCF-A06E-851D-EC8A-D8A9EE0D7852}"/>
+              </a:ext>
+            </a:extLst>
+          </p:cNvPr>
+          <p:cNvSpPr/>
+          <p:nvPr/>
+        </p:nvSpPr>
+        <p:spPr>
+          <a:xfrm>
+            <a:off x="7897091" y="4661266"/>
+            <a:ext cx="976871" cy="890081"/>
+          </a:xfrm>
+          <a:prstGeom prst="ellipse">
+            <a:avLst/>
+          </a:prstGeom>
+        </p:spPr>
+        <p:style>
+          <a:lnRef idx="2">
+            <a:schemeClr val="dk1"/>
+          </a:lnRef>
+          <a:fillRef idx="1">
+            <a:schemeClr val="lt1"/>
+          </a:fillRef>
+          <a:effectRef idx="0">
+            <a:schemeClr val="dk1"/>
+          </a:effectRef>
+          <a:fontRef idx="minor">
+            <a:schemeClr val="dk1"/>
+          </a:fontRef>
+        </p:style>
+        <p:txBody>
+          <a:bodyPr rtlCol="0" anchor="ctr"/>
+          <a:lstStyle/>
+          <a:p>
+            <a:pPr algn="ctr"/>
+            <a:endParaRPr lang="en-US"/>
+          </a:p>
+        </p:txBody>
+      </p:sp>
+      <p:cxnSp>
+        <p:nvCxnSpPr>
+          <p:cNvPr id="30" name="Connector: Elbow 29">
+            <a:extLst>
+              <a:ext uri="{FF2B5EF4-FFF2-40B4-BE49-F238E27FC236}">
+                <a16:creationId xmlns:a16="http://schemas.microsoft.com/office/drawing/2014/main" id="{A91F7630-89BF-2F20-FC0E-A28A94873F4C}"/>
+              </a:ext>
+            </a:extLst>
+          </p:cNvPr>
+          <p:cNvCxnSpPr>
+            <a:cxnSpLocks/>
+            <a:endCxn id="28" idx="7"/>
+          </p:cNvCxnSpPr>
+          <p:nvPr/>
+        </p:nvCxnSpPr>
+        <p:spPr>
+          <a:xfrm rot="10800000" flipV="1">
+            <a:off x="8730903" y="4285673"/>
+            <a:ext cx="1872442" cy="505942"/>
+          </a:xfrm>
+          <a:prstGeom prst="bentConnector2">
+            <a:avLst/>
+          </a:prstGeom>
+          <a:ln>
+            <a:tailEnd type="triangle"/>
+          </a:ln>
+        </p:spPr>
+        <p:style>
+          <a:lnRef idx="1">
+            <a:schemeClr val="accent1"/>
+          </a:lnRef>
+          <a:fillRef idx="0">
+            <a:schemeClr val="accent1"/>
+          </a:fillRef>
+          <a:effectRef idx="0">
+            <a:schemeClr val="accent1"/>
+          </a:effectRef>
+          <a:fontRef idx="minor">
+            <a:schemeClr val="tx1"/>
+          </a:fontRef>
+        </p:style>
+      </p:cxnSp>
+      <p:cxnSp>
+        <p:nvCxnSpPr>
+          <p:cNvPr id="31" name="Connector: Elbow 30">
+            <a:extLst>
+              <a:ext uri="{FF2B5EF4-FFF2-40B4-BE49-F238E27FC236}">
+                <a16:creationId xmlns:a16="http://schemas.microsoft.com/office/drawing/2014/main" id="{4DBB13C3-2CC3-49E9-8E6A-2E105D9B9D9F}"/>
+              </a:ext>
+            </a:extLst>
+          </p:cNvPr>
+          <p:cNvCxnSpPr>
+            <a:cxnSpLocks/>
+            <a:stCxn id="28" idx="5"/>
+          </p:cNvCxnSpPr>
+          <p:nvPr/>
+        </p:nvCxnSpPr>
+        <p:spPr>
+          <a:xfrm rot="16200000" flipH="1">
+            <a:off x="9361951" y="4789950"/>
+            <a:ext cx="1266129" cy="2528224"/>
+          </a:xfrm>
+          <a:prstGeom prst="bentConnector2">
+            <a:avLst/>
+          </a:prstGeom>
+          <a:ln>
+            <a:tailEnd type="triangle"/>
+          </a:ln>
+        </p:spPr>
+        <p:style>
+          <a:lnRef idx="1">
+            <a:schemeClr val="accent1"/>
+          </a:lnRef>
+          <a:fillRef idx="0">
+            <a:schemeClr val="accent1"/>
+          </a:fillRef>
+          <a:effectRef idx="0">
+            <a:schemeClr val="accent1"/>
+          </a:effectRef>
+          <a:fontRef idx="minor">
+            <a:schemeClr val="tx1"/>
+          </a:fontRef>
+        </p:style>
+      </p:cxnSp>
+      <p:cxnSp>
+        <p:nvCxnSpPr>
+          <p:cNvPr id="34" name="Connector: Elbow 33">
+            <a:extLst>
+              <a:ext uri="{FF2B5EF4-FFF2-40B4-BE49-F238E27FC236}">
+                <a16:creationId xmlns:a16="http://schemas.microsoft.com/office/drawing/2014/main" id="{021BE139-14CE-CE40-67AD-1924E86F0E32}"/>
+              </a:ext>
+            </a:extLst>
+          </p:cNvPr>
+          <p:cNvCxnSpPr>
+            <a:cxnSpLocks/>
+            <a:endCxn id="28" idx="1"/>
+          </p:cNvCxnSpPr>
+          <p:nvPr/>
+        </p:nvCxnSpPr>
+        <p:spPr>
+          <a:xfrm>
+            <a:off x="6576291" y="3731491"/>
+            <a:ext cx="1463859" cy="1060124"/>
+          </a:xfrm>
+          <a:prstGeom prst="bentConnector2">
+            <a:avLst/>
+          </a:prstGeom>
+          <a:ln>
+            <a:tailEnd type="triangle"/>
+          </a:ln>
+        </p:spPr>
+        <p:style>
+          <a:lnRef idx="1">
+            <a:schemeClr val="accent1"/>
+          </a:lnRef>
+          <a:fillRef idx="0">
+            <a:schemeClr val="accent1"/>
+          </a:fillRef>
+          <a:effectRef idx="0">
+            <a:schemeClr val="accent1"/>
+          </a:effectRef>
+          <a:fontRef idx="minor">
+            <a:schemeClr val="tx1"/>
+          </a:fontRef>
+        </p:style>
+      </p:cxnSp>
+      <p:cxnSp>
+        <p:nvCxnSpPr>
+          <p:cNvPr id="37" name="Connector: Elbow 36">
+            <a:extLst>
+              <a:ext uri="{FF2B5EF4-FFF2-40B4-BE49-F238E27FC236}">
+                <a16:creationId xmlns:a16="http://schemas.microsoft.com/office/drawing/2014/main" id="{F4630FD9-13B6-7856-1DD0-24859DCCF346}"/>
+              </a:ext>
+            </a:extLst>
+          </p:cNvPr>
+          <p:cNvCxnSpPr>
+            <a:cxnSpLocks/>
+            <a:stCxn id="28" idx="3"/>
+          </p:cNvCxnSpPr>
+          <p:nvPr/>
+        </p:nvCxnSpPr>
+        <p:spPr>
+          <a:xfrm rot="5400000">
+            <a:off x="7197011" y="4948061"/>
+            <a:ext cx="370202" cy="1316077"/>
           </a:xfrm>
           <a:prstGeom prst="bentConnector2">
             <a:avLst/>

--- a/sd/qa/unit/data/pptx/connectors.pptx
+++ b/sd/qa/unit/data/pptx/connectors.pptx
@@ -770,6 +770,7 @@
           <a:prstGeom prst="rect">
             <a:avLst/>
           </a:prstGeom>
+          <a:ln w="63500"/>
         </p:spPr>
         <p:style>
           <a:lnRef idx="2">
